--- a/PPT-sklearn-kopra.pptx
+++ b/PPT-sklearn-kopra.pptx
@@ -266,7 +266,7 @@
           <a:p>
             <a:fld id="{41476AD1-8E63-4F61-BE5B-E64E7D1FC45C}" type="datetimeFigureOut">
               <a:rPr lang="en-ID" smtClean="0"/>
-              <a:t>02/11/2023</a:t>
+              <a:t>06/11/2023</a:t>
             </a:fld>
             <a:endParaRPr lang="en-ID"/>
           </a:p>
@@ -466,7 +466,7 @@
           <a:p>
             <a:fld id="{41476AD1-8E63-4F61-BE5B-E64E7D1FC45C}" type="datetimeFigureOut">
               <a:rPr lang="en-ID" smtClean="0"/>
-              <a:t>02/11/2023</a:t>
+              <a:t>06/11/2023</a:t>
             </a:fld>
             <a:endParaRPr lang="en-ID"/>
           </a:p>
@@ -676,7 +676,7 @@
           <a:p>
             <a:fld id="{41476AD1-8E63-4F61-BE5B-E64E7D1FC45C}" type="datetimeFigureOut">
               <a:rPr lang="en-ID" smtClean="0"/>
-              <a:t>02/11/2023</a:t>
+              <a:t>06/11/2023</a:t>
             </a:fld>
             <a:endParaRPr lang="en-ID"/>
           </a:p>
@@ -876,7 +876,7 @@
           <a:p>
             <a:fld id="{41476AD1-8E63-4F61-BE5B-E64E7D1FC45C}" type="datetimeFigureOut">
               <a:rPr lang="en-ID" smtClean="0"/>
-              <a:t>02/11/2023</a:t>
+              <a:t>06/11/2023</a:t>
             </a:fld>
             <a:endParaRPr lang="en-ID"/>
           </a:p>
@@ -1152,7 +1152,7 @@
           <a:p>
             <a:fld id="{41476AD1-8E63-4F61-BE5B-E64E7D1FC45C}" type="datetimeFigureOut">
               <a:rPr lang="en-ID" smtClean="0"/>
-              <a:t>02/11/2023</a:t>
+              <a:t>06/11/2023</a:t>
             </a:fld>
             <a:endParaRPr lang="en-ID"/>
           </a:p>
@@ -1420,7 +1420,7 @@
           <a:p>
             <a:fld id="{41476AD1-8E63-4F61-BE5B-E64E7D1FC45C}" type="datetimeFigureOut">
               <a:rPr lang="en-ID" smtClean="0"/>
-              <a:t>02/11/2023</a:t>
+              <a:t>06/11/2023</a:t>
             </a:fld>
             <a:endParaRPr lang="en-ID"/>
           </a:p>
@@ -1835,7 +1835,7 @@
           <a:p>
             <a:fld id="{41476AD1-8E63-4F61-BE5B-E64E7D1FC45C}" type="datetimeFigureOut">
               <a:rPr lang="en-ID" smtClean="0"/>
-              <a:t>02/11/2023</a:t>
+              <a:t>06/11/2023</a:t>
             </a:fld>
             <a:endParaRPr lang="en-ID"/>
           </a:p>
@@ -1977,7 +1977,7 @@
           <a:p>
             <a:fld id="{41476AD1-8E63-4F61-BE5B-E64E7D1FC45C}" type="datetimeFigureOut">
               <a:rPr lang="en-ID" smtClean="0"/>
-              <a:t>02/11/2023</a:t>
+              <a:t>06/11/2023</a:t>
             </a:fld>
             <a:endParaRPr lang="en-ID"/>
           </a:p>
@@ -2090,7 +2090,7 @@
           <a:p>
             <a:fld id="{41476AD1-8E63-4F61-BE5B-E64E7D1FC45C}" type="datetimeFigureOut">
               <a:rPr lang="en-ID" smtClean="0"/>
-              <a:t>02/11/2023</a:t>
+              <a:t>06/11/2023</a:t>
             </a:fld>
             <a:endParaRPr lang="en-ID"/>
           </a:p>
@@ -2403,7 +2403,7 @@
           <a:p>
             <a:fld id="{41476AD1-8E63-4F61-BE5B-E64E7D1FC45C}" type="datetimeFigureOut">
               <a:rPr lang="en-ID" smtClean="0"/>
-              <a:t>02/11/2023</a:t>
+              <a:t>06/11/2023</a:t>
             </a:fld>
             <a:endParaRPr lang="en-ID"/>
           </a:p>
@@ -2692,7 +2692,7 @@
           <a:p>
             <a:fld id="{41476AD1-8E63-4F61-BE5B-E64E7D1FC45C}" type="datetimeFigureOut">
               <a:rPr lang="en-ID" smtClean="0"/>
-              <a:t>02/11/2023</a:t>
+              <a:t>06/11/2023</a:t>
             </a:fld>
             <a:endParaRPr lang="en-ID"/>
           </a:p>
@@ -2935,7 +2935,7 @@
           <a:p>
             <a:fld id="{41476AD1-8E63-4F61-BE5B-E64E7D1FC45C}" type="datetimeFigureOut">
               <a:rPr lang="en-ID" smtClean="0"/>
-              <a:t>02/11/2023</a:t>
+              <a:t>06/11/2023</a:t>
             </a:fld>
             <a:endParaRPr lang="en-ID"/>
           </a:p>

--- a/PPT-sklearn-kopra.pptx
+++ b/PPT-sklearn-kopra.pptx
@@ -266,7 +266,7 @@
           <a:p>
             <a:fld id="{41476AD1-8E63-4F61-BE5B-E64E7D1FC45C}" type="datetimeFigureOut">
               <a:rPr lang="en-ID" smtClean="0"/>
-              <a:t>06/11/2023</a:t>
+              <a:t>13/11/2023</a:t>
             </a:fld>
             <a:endParaRPr lang="en-ID"/>
           </a:p>
@@ -466,7 +466,7 @@
           <a:p>
             <a:fld id="{41476AD1-8E63-4F61-BE5B-E64E7D1FC45C}" type="datetimeFigureOut">
               <a:rPr lang="en-ID" smtClean="0"/>
-              <a:t>06/11/2023</a:t>
+              <a:t>13/11/2023</a:t>
             </a:fld>
             <a:endParaRPr lang="en-ID"/>
           </a:p>
@@ -676,7 +676,7 @@
           <a:p>
             <a:fld id="{41476AD1-8E63-4F61-BE5B-E64E7D1FC45C}" type="datetimeFigureOut">
               <a:rPr lang="en-ID" smtClean="0"/>
-              <a:t>06/11/2023</a:t>
+              <a:t>13/11/2023</a:t>
             </a:fld>
             <a:endParaRPr lang="en-ID"/>
           </a:p>
@@ -876,7 +876,7 @@
           <a:p>
             <a:fld id="{41476AD1-8E63-4F61-BE5B-E64E7D1FC45C}" type="datetimeFigureOut">
               <a:rPr lang="en-ID" smtClean="0"/>
-              <a:t>06/11/2023</a:t>
+              <a:t>13/11/2023</a:t>
             </a:fld>
             <a:endParaRPr lang="en-ID"/>
           </a:p>
@@ -1152,7 +1152,7 @@
           <a:p>
             <a:fld id="{41476AD1-8E63-4F61-BE5B-E64E7D1FC45C}" type="datetimeFigureOut">
               <a:rPr lang="en-ID" smtClean="0"/>
-              <a:t>06/11/2023</a:t>
+              <a:t>13/11/2023</a:t>
             </a:fld>
             <a:endParaRPr lang="en-ID"/>
           </a:p>
@@ -1420,7 +1420,7 @@
           <a:p>
             <a:fld id="{41476AD1-8E63-4F61-BE5B-E64E7D1FC45C}" type="datetimeFigureOut">
               <a:rPr lang="en-ID" smtClean="0"/>
-              <a:t>06/11/2023</a:t>
+              <a:t>13/11/2023</a:t>
             </a:fld>
             <a:endParaRPr lang="en-ID"/>
           </a:p>
@@ -1835,7 +1835,7 @@
           <a:p>
             <a:fld id="{41476AD1-8E63-4F61-BE5B-E64E7D1FC45C}" type="datetimeFigureOut">
               <a:rPr lang="en-ID" smtClean="0"/>
-              <a:t>06/11/2023</a:t>
+              <a:t>13/11/2023</a:t>
             </a:fld>
             <a:endParaRPr lang="en-ID"/>
           </a:p>
@@ -1977,7 +1977,7 @@
           <a:p>
             <a:fld id="{41476AD1-8E63-4F61-BE5B-E64E7D1FC45C}" type="datetimeFigureOut">
               <a:rPr lang="en-ID" smtClean="0"/>
-              <a:t>06/11/2023</a:t>
+              <a:t>13/11/2023</a:t>
             </a:fld>
             <a:endParaRPr lang="en-ID"/>
           </a:p>
@@ -2090,7 +2090,7 @@
           <a:p>
             <a:fld id="{41476AD1-8E63-4F61-BE5B-E64E7D1FC45C}" type="datetimeFigureOut">
               <a:rPr lang="en-ID" smtClean="0"/>
-              <a:t>06/11/2023</a:t>
+              <a:t>13/11/2023</a:t>
             </a:fld>
             <a:endParaRPr lang="en-ID"/>
           </a:p>
@@ -2403,7 +2403,7 @@
           <a:p>
             <a:fld id="{41476AD1-8E63-4F61-BE5B-E64E7D1FC45C}" type="datetimeFigureOut">
               <a:rPr lang="en-ID" smtClean="0"/>
-              <a:t>06/11/2023</a:t>
+              <a:t>13/11/2023</a:t>
             </a:fld>
             <a:endParaRPr lang="en-ID"/>
           </a:p>
@@ -2692,7 +2692,7 @@
           <a:p>
             <a:fld id="{41476AD1-8E63-4F61-BE5B-E64E7D1FC45C}" type="datetimeFigureOut">
               <a:rPr lang="en-ID" smtClean="0"/>
-              <a:t>06/11/2023</a:t>
+              <a:t>13/11/2023</a:t>
             </a:fld>
             <a:endParaRPr lang="en-ID"/>
           </a:p>
@@ -2935,7 +2935,7 @@
           <a:p>
             <a:fld id="{41476AD1-8E63-4F61-BE5B-E64E7D1FC45C}" type="datetimeFigureOut">
               <a:rPr lang="en-ID" smtClean="0"/>
-              <a:t>06/11/2023</a:t>
+              <a:t>13/11/2023</a:t>
             </a:fld>
             <a:endParaRPr lang="en-ID"/>
           </a:p>
